--- a/AD_project_TicTacToe/AD_Project.pptx
+++ b/AD_project_TicTacToe/AD_Project.pptx
@@ -4744,10 +4744,10 @@
       </p:par>
     </p:tnLst>
     <p:bldLst>
-      <p:bldP build="whole" bldLvl="1" animBg="1" rev="0" advAuto="0" spid="139" grpId="4"/>
+      <p:bldP build="whole" bldLvl="1" animBg="1" rev="0" advAuto="0" spid="136" grpId="1"/>
       <p:bldP build="whole" bldLvl="1" animBg="1" rev="0" advAuto="0" spid="138" grpId="3"/>
       <p:bldP build="whole" bldLvl="1" animBg="1" rev="0" advAuto="0" spid="137" grpId="2"/>
-      <p:bldP build="whole" bldLvl="1" animBg="1" rev="0" advAuto="0" spid="136" grpId="1"/>
+      <p:bldP build="whole" bldLvl="1" animBg="1" rev="0" advAuto="0" spid="139" grpId="4"/>
     </p:bldLst>
   </p:timing>
 </p:sld>
@@ -5242,8 +5242,8 @@
       </p:par>
     </p:tnLst>
     <p:bldLst>
+      <p:bldP build="whole" bldLvl="1" animBg="1" rev="0" advAuto="0" spid="147" grpId="2"/>
       <p:bldP build="whole" bldLvl="1" animBg="1" rev="0" advAuto="0" spid="145" grpId="1"/>
-      <p:bldP build="whole" bldLvl="1" animBg="1" rev="0" advAuto="0" spid="147" grpId="2"/>
     </p:bldLst>
   </p:timing>
 </p:sld>
@@ -7741,17 +7741,17 @@
       </p:par>
     </p:tnLst>
     <p:bldLst>
-      <p:bldP build="whole" bldLvl="1" animBg="1" rev="0" advAuto="0" spid="172" grpId="3"/>
-      <p:bldP build="whole" bldLvl="1" animBg="1" rev="0" advAuto="0" spid="170" grpId="1"/>
-      <p:bldP build="whole" bldLvl="1" animBg="1" rev="0" advAuto="0" spid="171" grpId="2"/>
+      <p:bldP build="whole" bldLvl="1" animBg="1" rev="0" advAuto="0" spid="180" grpId="11"/>
       <p:bldP build="whole" bldLvl="1" animBg="1" rev="0" advAuto="0" spid="177" grpId="8"/>
       <p:bldP build="whole" bldLvl="1" animBg="1" rev="0" advAuto="0" spid="178" grpId="9"/>
+      <p:bldP build="whole" bldLvl="1" animBg="1" rev="0" advAuto="0" spid="172" grpId="3"/>
+      <p:bldP build="whole" bldLvl="1" animBg="1" rev="0" advAuto="0" spid="171" grpId="2"/>
+      <p:bldP build="whole" bldLvl="1" animBg="1" rev="0" advAuto="0" spid="170" grpId="1"/>
+      <p:bldP build="whole" bldLvl="1" animBg="1" rev="0" advAuto="0" spid="174" grpId="5"/>
+      <p:bldP build="whole" bldLvl="1" animBg="1" rev="0" advAuto="0" spid="173" grpId="4"/>
+      <p:bldP build="whole" bldLvl="1" animBg="1" rev="0" advAuto="0" spid="175" grpId="6"/>
+      <p:bldP build="whole" bldLvl="1" animBg="1" rev="0" advAuto="0" spid="176" grpId="7"/>
       <p:bldP build="whole" bldLvl="1" animBg="1" rev="0" advAuto="0" spid="179" grpId="10"/>
-      <p:bldP build="whole" bldLvl="1" animBg="1" rev="0" advAuto="0" spid="180" grpId="11"/>
-      <p:bldP build="whole" bldLvl="1" animBg="1" rev="0" advAuto="0" spid="176" grpId="7"/>
-      <p:bldP build="whole" bldLvl="1" animBg="1" rev="0" advAuto="0" spid="173" grpId="4"/>
-      <p:bldP build="whole" bldLvl="1" animBg="1" rev="0" advAuto="0" spid="174" grpId="5"/>
-      <p:bldP build="whole" bldLvl="1" animBg="1" rev="0" advAuto="0" spid="175" grpId="6"/>
     </p:bldLst>
   </p:timing>
 </p:sld>
@@ -8273,8 +8273,8 @@
       </p:par>
     </p:tnLst>
     <p:bldLst>
+      <p:bldP build="whole" bldLvl="1" animBg="1" rev="0" advAuto="0" spid="187" grpId="2"/>
       <p:bldP build="whole" bldLvl="1" animBg="1" rev="0" advAuto="0" spid="186" grpId="1"/>
-      <p:bldP build="whole" bldLvl="1" animBg="1" rev="0" advAuto="0" spid="187" grpId="2"/>
     </p:bldLst>
   </p:timing>
 </p:sld>
